--- a/ember-mini-con.pptx
+++ b/ember-mini-con.pptx
@@ -198,7 +198,7 @@
           <a:p>
             <a:fld id="{46875D0A-ED65-F94C-9F84-0FF0285D7642}" type="datetimeFigureOut">
               <a:rPr lang="en-US" smtClean="0"/>
-              <a:t>8/28/13</a:t>
+              <a:t>10/9/13</a:t>
             </a:fld>
             <a:endParaRPr lang="en-US"/>
           </a:p>
@@ -647,7 +647,7 @@
           <a:p>
             <a:fld id="{793A0175-BD99-1943-ABB9-D4B3753DB56D}" type="datetimeFigureOut">
               <a:rPr lang="en-US" smtClean="0"/>
-              <a:t>8/28/13</a:t>
+              <a:t>10/9/13</a:t>
             </a:fld>
             <a:endParaRPr lang="en-US"/>
           </a:p>
@@ -817,7 +817,7 @@
           <a:p>
             <a:fld id="{793A0175-BD99-1943-ABB9-D4B3753DB56D}" type="datetimeFigureOut">
               <a:rPr lang="en-US" smtClean="0"/>
-              <a:t>8/28/13</a:t>
+              <a:t>10/9/13</a:t>
             </a:fld>
             <a:endParaRPr lang="en-US"/>
           </a:p>
@@ -997,7 +997,7 @@
           <a:p>
             <a:fld id="{793A0175-BD99-1943-ABB9-D4B3753DB56D}" type="datetimeFigureOut">
               <a:rPr lang="en-US" smtClean="0"/>
-              <a:t>8/28/13</a:t>
+              <a:t>10/9/13</a:t>
             </a:fld>
             <a:endParaRPr lang="en-US"/>
           </a:p>
@@ -1167,7 +1167,7 @@
           <a:p>
             <a:fld id="{793A0175-BD99-1943-ABB9-D4B3753DB56D}" type="datetimeFigureOut">
               <a:rPr lang="en-US" smtClean="0"/>
-              <a:t>8/28/13</a:t>
+              <a:t>10/9/13</a:t>
             </a:fld>
             <a:endParaRPr lang="en-US"/>
           </a:p>
@@ -1413,7 +1413,7 @@
           <a:p>
             <a:fld id="{793A0175-BD99-1943-ABB9-D4B3753DB56D}" type="datetimeFigureOut">
               <a:rPr lang="en-US" smtClean="0"/>
-              <a:t>8/28/13</a:t>
+              <a:t>10/9/13</a:t>
             </a:fld>
             <a:endParaRPr lang="en-US"/>
           </a:p>
@@ -1701,7 +1701,7 @@
           <a:p>
             <a:fld id="{793A0175-BD99-1943-ABB9-D4B3753DB56D}" type="datetimeFigureOut">
               <a:rPr lang="en-US" smtClean="0"/>
-              <a:t>8/28/13</a:t>
+              <a:t>10/9/13</a:t>
             </a:fld>
             <a:endParaRPr lang="en-US"/>
           </a:p>
@@ -2123,7 +2123,7 @@
           <a:p>
             <a:fld id="{793A0175-BD99-1943-ABB9-D4B3753DB56D}" type="datetimeFigureOut">
               <a:rPr lang="en-US" smtClean="0"/>
-              <a:t>8/28/13</a:t>
+              <a:t>10/9/13</a:t>
             </a:fld>
             <a:endParaRPr lang="en-US"/>
           </a:p>
@@ -2241,7 +2241,7 @@
           <a:p>
             <a:fld id="{793A0175-BD99-1943-ABB9-D4B3753DB56D}" type="datetimeFigureOut">
               <a:rPr lang="en-US" smtClean="0"/>
-              <a:t>8/28/13</a:t>
+              <a:t>10/9/13</a:t>
             </a:fld>
             <a:endParaRPr lang="en-US"/>
           </a:p>
@@ -2336,7 +2336,7 @@
           <a:p>
             <a:fld id="{793A0175-BD99-1943-ABB9-D4B3753DB56D}" type="datetimeFigureOut">
               <a:rPr lang="en-US" smtClean="0"/>
-              <a:t>8/28/13</a:t>
+              <a:t>10/9/13</a:t>
             </a:fld>
             <a:endParaRPr lang="en-US"/>
           </a:p>
@@ -2613,7 +2613,7 @@
           <a:p>
             <a:fld id="{793A0175-BD99-1943-ABB9-D4B3753DB56D}" type="datetimeFigureOut">
               <a:rPr lang="en-US" smtClean="0"/>
-              <a:t>8/28/13</a:t>
+              <a:t>10/9/13</a:t>
             </a:fld>
             <a:endParaRPr lang="en-US"/>
           </a:p>
@@ -2866,7 +2866,7 @@
           <a:p>
             <a:fld id="{793A0175-BD99-1943-ABB9-D4B3753DB56D}" type="datetimeFigureOut">
               <a:rPr lang="en-US" smtClean="0"/>
-              <a:t>8/28/13</a:t>
+              <a:t>10/9/13</a:t>
             </a:fld>
             <a:endParaRPr lang="en-US"/>
           </a:p>
@@ -3079,7 +3079,7 @@
           <a:p>
             <a:fld id="{793A0175-BD99-1943-ABB9-D4B3753DB56D}" type="datetimeFigureOut">
               <a:rPr lang="en-US" smtClean="0"/>
-              <a:t>8/28/13</a:t>
+              <a:t>10/9/13</a:t>
             </a:fld>
             <a:endParaRPr lang="en-US"/>
           </a:p>
@@ -3909,7 +3909,7 @@
         <p:spPr>
           <a:xfrm>
             <a:off x="706734" y="1761548"/>
-            <a:ext cx="7712367" cy="3908762"/>
+            <a:ext cx="7712367" cy="4770536"/>
           </a:xfrm>
           <a:prstGeom prst="rect">
             <a:avLst/>
@@ -3951,7 +3951,7 @@
             </a:pPr>
             <a:r>
               <a:rPr lang="en-US" sz="3200" dirty="0" smtClean="0"/>
-              <a:t>Ember Tools</a:t>
+              <a:t>Ember App Kit</a:t>
             </a:r>
           </a:p>
           <a:p>
@@ -3960,12 +3960,18 @@
               <a:buChar char="•"/>
             </a:pPr>
             <a:r>
+              <a:rPr lang="en-US" sz="2400" dirty="0">
+                <a:hlinkClick r:id="rId3"/>
+              </a:rPr>
+              <a:t>https://github.com/stefanpenner/ember-app-</a:t>
+            </a:r>
+            <a:r>
               <a:rPr lang="en-US" sz="2400" dirty="0" smtClean="0">
                 <a:hlinkClick r:id="rId3"/>
               </a:rPr>
-              <a:t>https://github.com/rpflorence/ember-tools</a:t>
-            </a:r>
-            <a:endParaRPr lang="en-US" sz="2400" dirty="0" smtClean="0"/>
+              <a:t>kit</a:t>
+            </a:r>
+            <a:endParaRPr lang="en-US" sz="2400" dirty="0"/>
           </a:p>
           <a:p>
             <a:pPr marL="285750" indent="-285750">
@@ -3974,7 +3980,11 @@
             </a:pPr>
             <a:r>
               <a:rPr lang="en-US" sz="3200" dirty="0" smtClean="0"/>
-              <a:t>Yeoman – Ember Generator</a:t>
+              <a:t>Ember </a:t>
+            </a:r>
+            <a:r>
+              <a:rPr lang="en-US" sz="3200" dirty="0" smtClean="0"/>
+              <a:t>Tools</a:t>
             </a:r>
           </a:p>
           <a:p>
@@ -3986,9 +3996,19 @@
               <a:rPr lang="en-US" sz="2400" dirty="0" smtClean="0">
                 <a:hlinkClick r:id="rId4"/>
               </a:rPr>
-              <a:t>http://yeoman.io/</a:t>
+              <a:t>https://github.com/rpflorence/ember-tools</a:t>
             </a:r>
             <a:endParaRPr lang="en-US" sz="2400" dirty="0" smtClean="0"/>
+          </a:p>
+          <a:p>
+            <a:pPr marL="285750" indent="-285750">
+              <a:buFont typeface="Arial"/>
+              <a:buChar char="•"/>
+            </a:pPr>
+            <a:r>
+              <a:rPr lang="en-US" sz="3200" dirty="0" smtClean="0"/>
+              <a:t>Yeoman – Ember Generator</a:t>
+            </a:r>
           </a:p>
           <a:p>
             <a:pPr marL="742950" lvl="1" indent="-285750">
@@ -3998,6 +4018,19 @@
             <a:r>
               <a:rPr lang="en-US" sz="2400" dirty="0" smtClean="0">
                 <a:hlinkClick r:id="rId5"/>
+              </a:rPr>
+              <a:t>http://yeoman.io/</a:t>
+            </a:r>
+            <a:endParaRPr lang="en-US" sz="2400" dirty="0" smtClean="0"/>
+          </a:p>
+          <a:p>
+            <a:pPr marL="742950" lvl="1" indent="-285750">
+              <a:buFont typeface="Arial"/>
+              <a:buChar char="•"/>
+            </a:pPr>
+            <a:r>
+              <a:rPr lang="en-US" sz="2400" dirty="0" smtClean="0">
+                <a:hlinkClick r:id="rId6"/>
               </a:rPr>
               <a:t>https://github.com/yeoman/generator-ember</a:t>
             </a:r>

--- a/ember-mini-con.pptx
+++ b/ember-mini-con.pptx
@@ -198,7 +198,7 @@
           <a:p>
             <a:fld id="{46875D0A-ED65-F94C-9F84-0FF0285D7642}" type="datetimeFigureOut">
               <a:rPr lang="en-US" smtClean="0"/>
-              <a:t>10/9/13</a:t>
+              <a:t>10/10/13</a:t>
             </a:fld>
             <a:endParaRPr lang="en-US"/>
           </a:p>
@@ -647,7 +647,7 @@
           <a:p>
             <a:fld id="{793A0175-BD99-1943-ABB9-D4B3753DB56D}" type="datetimeFigureOut">
               <a:rPr lang="en-US" smtClean="0"/>
-              <a:t>10/9/13</a:t>
+              <a:t>10/10/13</a:t>
             </a:fld>
             <a:endParaRPr lang="en-US"/>
           </a:p>
@@ -817,7 +817,7 @@
           <a:p>
             <a:fld id="{793A0175-BD99-1943-ABB9-D4B3753DB56D}" type="datetimeFigureOut">
               <a:rPr lang="en-US" smtClean="0"/>
-              <a:t>10/9/13</a:t>
+              <a:t>10/10/13</a:t>
             </a:fld>
             <a:endParaRPr lang="en-US"/>
           </a:p>
@@ -997,7 +997,7 @@
           <a:p>
             <a:fld id="{793A0175-BD99-1943-ABB9-D4B3753DB56D}" type="datetimeFigureOut">
               <a:rPr lang="en-US" smtClean="0"/>
-              <a:t>10/9/13</a:t>
+              <a:t>10/10/13</a:t>
             </a:fld>
             <a:endParaRPr lang="en-US"/>
           </a:p>
@@ -1167,7 +1167,7 @@
           <a:p>
             <a:fld id="{793A0175-BD99-1943-ABB9-D4B3753DB56D}" type="datetimeFigureOut">
               <a:rPr lang="en-US" smtClean="0"/>
-              <a:t>10/9/13</a:t>
+              <a:t>10/10/13</a:t>
             </a:fld>
             <a:endParaRPr lang="en-US"/>
           </a:p>
@@ -1413,7 +1413,7 @@
           <a:p>
             <a:fld id="{793A0175-BD99-1943-ABB9-D4B3753DB56D}" type="datetimeFigureOut">
               <a:rPr lang="en-US" smtClean="0"/>
-              <a:t>10/9/13</a:t>
+              <a:t>10/10/13</a:t>
             </a:fld>
             <a:endParaRPr lang="en-US"/>
           </a:p>
@@ -1701,7 +1701,7 @@
           <a:p>
             <a:fld id="{793A0175-BD99-1943-ABB9-D4B3753DB56D}" type="datetimeFigureOut">
               <a:rPr lang="en-US" smtClean="0"/>
-              <a:t>10/9/13</a:t>
+              <a:t>10/10/13</a:t>
             </a:fld>
             <a:endParaRPr lang="en-US"/>
           </a:p>
@@ -2123,7 +2123,7 @@
           <a:p>
             <a:fld id="{793A0175-BD99-1943-ABB9-D4B3753DB56D}" type="datetimeFigureOut">
               <a:rPr lang="en-US" smtClean="0"/>
-              <a:t>10/9/13</a:t>
+              <a:t>10/10/13</a:t>
             </a:fld>
             <a:endParaRPr lang="en-US"/>
           </a:p>
@@ -2241,7 +2241,7 @@
           <a:p>
             <a:fld id="{793A0175-BD99-1943-ABB9-D4B3753DB56D}" type="datetimeFigureOut">
               <a:rPr lang="en-US" smtClean="0"/>
-              <a:t>10/9/13</a:t>
+              <a:t>10/10/13</a:t>
             </a:fld>
             <a:endParaRPr lang="en-US"/>
           </a:p>
@@ -2336,7 +2336,7 @@
           <a:p>
             <a:fld id="{793A0175-BD99-1943-ABB9-D4B3753DB56D}" type="datetimeFigureOut">
               <a:rPr lang="en-US" smtClean="0"/>
-              <a:t>10/9/13</a:t>
+              <a:t>10/10/13</a:t>
             </a:fld>
             <a:endParaRPr lang="en-US"/>
           </a:p>
@@ -2613,7 +2613,7 @@
           <a:p>
             <a:fld id="{793A0175-BD99-1943-ABB9-D4B3753DB56D}" type="datetimeFigureOut">
               <a:rPr lang="en-US" smtClean="0"/>
-              <a:t>10/9/13</a:t>
+              <a:t>10/10/13</a:t>
             </a:fld>
             <a:endParaRPr lang="en-US"/>
           </a:p>
@@ -2866,7 +2866,7 @@
           <a:p>
             <a:fld id="{793A0175-BD99-1943-ABB9-D4B3753DB56D}" type="datetimeFigureOut">
               <a:rPr lang="en-US" smtClean="0"/>
-              <a:t>10/9/13</a:t>
+              <a:t>10/10/13</a:t>
             </a:fld>
             <a:endParaRPr lang="en-US"/>
           </a:p>
@@ -3079,7 +3079,7 @@
           <a:p>
             <a:fld id="{793A0175-BD99-1943-ABB9-D4B3753DB56D}" type="datetimeFigureOut">
               <a:rPr lang="en-US" smtClean="0"/>
-              <a:t>10/9/13</a:t>
+              <a:t>10/10/13</a:t>
             </a:fld>
             <a:endParaRPr lang="en-US"/>
           </a:p>
@@ -3713,8 +3713,12 @@
               <a:buChar char="•"/>
             </a:pPr>
             <a:r>
+              <a:rPr lang="en-US" sz="3200" dirty="0" err="1" smtClean="0"/>
+              <a:t>Javascript</a:t>
+            </a:r>
+            <a:r>
               <a:rPr lang="en-US" sz="3200" dirty="0" smtClean="0"/>
-              <a:t>Build ambitiously large web applications that are competitive with native apps.</a:t>
+              <a:t> MVC framework</a:t>
             </a:r>
           </a:p>
           <a:p>
@@ -3724,7 +3728,11 @@
             </a:pPr>
             <a:r>
               <a:rPr lang="en-US" sz="3200" dirty="0" smtClean="0"/>
-              <a:t>Embraces the URL</a:t>
+              <a:t>Build </a:t>
+            </a:r>
+            <a:r>
+              <a:rPr lang="en-US" sz="3200" dirty="0" smtClean="0"/>
+              <a:t>ambitiously large web applications that are competitive with native apps.</a:t>
             </a:r>
           </a:p>
           <a:p>
@@ -3734,8 +3742,13 @@
             </a:pPr>
             <a:r>
               <a:rPr lang="en-US" sz="3200" dirty="0" smtClean="0"/>
-              <a:t>MVC</a:t>
-            </a:r>
+              <a:t>Embraces the </a:t>
+            </a:r>
+            <a:r>
+              <a:rPr lang="en-US" sz="3200" dirty="0" smtClean="0"/>
+              <a:t>URL</a:t>
+            </a:r>
+            <a:endParaRPr lang="en-US" sz="3200" dirty="0" smtClean="0"/>
           </a:p>
           <a:p>
             <a:pPr marL="285750" indent="-285750">
@@ -3980,11 +3993,7 @@
             </a:pPr>
             <a:r>
               <a:rPr lang="en-US" sz="3200" dirty="0" smtClean="0"/>
-              <a:t>Ember </a:t>
-            </a:r>
-            <a:r>
-              <a:rPr lang="en-US" sz="3200" dirty="0" smtClean="0"/>
-              <a:t>Tools</a:t>
+              <a:t>Ember Tools</a:t>
             </a:r>
           </a:p>
           <a:p>
